--- a/meeting-7-robot-car/Girl Scouts LEGO Robotics - Meeting 7 - Robot Car.pptx
+++ b/meeting-7-robot-car/Girl Scouts LEGO Robotics - Meeting 7 - Robot Car.pptx
@@ -113,7 +113,27 @@
       </a:defRPr>
     </a:lvl9pPr>
   </p:defaultTextStyle>
+  <p:extLst>
+    <p:ext uri="{EFAFB233-063F-42B5-8137-9DF3F51BA10A}">
+      <p15:sldGuideLst xmlns:p15="http://schemas.microsoft.com/office/powerpoint/2012/main">
+        <p15:guide id="1" orient="horz" pos="2160">
+          <p15:clr>
+            <a:srgbClr val="A4A3A4"/>
+          </p15:clr>
+        </p15:guide>
+        <p15:guide id="2" pos="2880">
+          <p15:clr>
+            <a:srgbClr val="A4A3A4"/>
+          </p15:clr>
+        </p15:guide>
+      </p15:sldGuideLst>
+    </p:ext>
+  </p:extLst>
 </p:presentation>
+</file>
+
+<file path=ppt/revisionInfo.xml><?xml version="1.0" encoding="utf-8"?>
+<p1510:revInfo xmlns:a="http://schemas.openxmlformats.org/drawingml/2006/main" xmlns:r="http://schemas.openxmlformats.org/officeDocument/2006/relationships" xmlns:p1510="http://schemas.microsoft.com/office/powerpoint/2015/10/main"/>
 </file>
 
 <file path=ppt/notesMasters/notesMaster1.xml><?xml version="1.0" encoding="utf-8"?>
@@ -262,38 +282,37 @@
           <a:p>
             <a:pPr lvl="0"/>
             <a:r>
-              <a:rPr lang="en-US" smtClean="0"/>
+              <a:rPr lang="en-US"/>
               <a:t>Click to edit Master text styles</a:t>
             </a:r>
           </a:p>
           <a:p>
             <a:pPr lvl="1"/>
             <a:r>
-              <a:rPr lang="en-US" smtClean="0"/>
+              <a:rPr lang="en-US"/>
               <a:t>Second level</a:t>
             </a:r>
           </a:p>
           <a:p>
             <a:pPr lvl="2"/>
             <a:r>
-              <a:rPr lang="en-US" smtClean="0"/>
+              <a:rPr lang="en-US"/>
               <a:t>Third level</a:t>
             </a:r>
           </a:p>
           <a:p>
             <a:pPr lvl="3"/>
             <a:r>
-              <a:rPr lang="en-US" smtClean="0"/>
+              <a:rPr lang="en-US"/>
               <a:t>Fourth level</a:t>
             </a:r>
           </a:p>
           <a:p>
             <a:pPr lvl="4"/>
             <a:r>
-              <a:rPr lang="en-US" smtClean="0"/>
+              <a:rPr lang="en-US"/>
               <a:t>Fifth level</a:t>
             </a:r>
-            <a:endParaRPr lang="en-US"/>
           </a:p>
         </p:txBody>
       </p:sp>
@@ -511,20 +530,358 @@
           <a:lstStyle/>
           <a:p>
             <a:r>
-              <a:rPr lang="en-US" dirty="0" err="1" smtClean="0"/>
+              <a:rPr lang="en-US" dirty="0"/>
+              <a:t>13 gallons of water to grow a tomato plant</a:t>
+            </a:r>
+          </a:p>
+          <a:p>
+            <a:r>
+              <a:rPr lang="en-US" dirty="0"/>
+              <a:t>Money is dirtier than a public toilet </a:t>
+            </a:r>
+          </a:p>
+          <a:p>
+            <a:pPr marL="228600" indent="-228600">
+              <a:buAutoNum type="arabicPlain" startAt="2"/>
+            </a:pPr>
+            <a:r>
+              <a:rPr lang="en-US" dirty="0"/>
+              <a:t>(4?) water plants in LA</a:t>
+            </a:r>
+          </a:p>
+          <a:p>
+            <a:pPr marL="228600" indent="-228600">
+              <a:buAutoNum type="arabicPlain" startAt="2"/>
+            </a:pPr>
+            <a:r>
+              <a:rPr lang="en-US" dirty="0"/>
+              <a:t>A person uses 50 gallons of water in a 10 minute shower</a:t>
+            </a:r>
+          </a:p>
+          <a:p>
+            <a:pPr marL="0" indent="0">
+              <a:buNone/>
+            </a:pPr>
+            <a:r>
+              <a:rPr lang="en-US" dirty="0"/>
+              <a:t>There is only 3% fresh water in the world, the rest is salt water</a:t>
+            </a:r>
+          </a:p>
+          <a:p>
+            <a:pPr marL="0" indent="0">
+              <a:buNone/>
+            </a:pPr>
+            <a:r>
+              <a:rPr lang="en-US" dirty="0"/>
+              <a:t>Smelly</a:t>
+            </a:r>
+          </a:p>
+          <a:p>
+            <a:pPr marL="0" indent="0">
+              <a:buNone/>
+            </a:pPr>
+            <a:r>
+              <a:rPr lang="en-US" dirty="0"/>
+              <a:t>Find dollar bills in sewage – bleach and reuse?</a:t>
+            </a:r>
+          </a:p>
+          <a:p>
+            <a:pPr marL="0" indent="0">
+              <a:buNone/>
+            </a:pPr>
+            <a:r>
+              <a:rPr lang="en-US" dirty="0" err="1"/>
+              <a:t>Largetst</a:t>
+            </a:r>
+            <a:r>
+              <a:rPr lang="en-US" dirty="0"/>
+              <a:t> water filtration system in LA</a:t>
+            </a:r>
+          </a:p>
+          <a:p>
+            <a:pPr marL="0" indent="0">
+              <a:buNone/>
+            </a:pPr>
+            <a:r>
+              <a:rPr lang="en-US" dirty="0"/>
+              <a:t>5</a:t>
+            </a:r>
+            <a:r>
+              <a:rPr lang="en-US" baseline="30000" dirty="0"/>
+              <a:t>th</a:t>
+            </a:r>
+            <a:r>
+              <a:rPr lang="en-US" dirty="0"/>
+              <a:t> largest in the world</a:t>
+            </a:r>
+          </a:p>
+          <a:p>
+            <a:pPr marL="0" indent="0">
+              <a:buNone/>
+            </a:pPr>
+            <a:r>
+              <a:rPr lang="en-US" dirty="0"/>
+              <a:t>Only filters water twice, recycled water – not potable</a:t>
+            </a:r>
+          </a:p>
+          <a:p>
+            <a:pPr marL="0" indent="0">
+              <a:buNone/>
+            </a:pPr>
+            <a:r>
+              <a:rPr lang="en-US" dirty="0"/>
+              <a:t>Without rain, takes in 350 million gallons per day</a:t>
+            </a:r>
+          </a:p>
+          <a:p>
+            <a:pPr marL="0" indent="0">
+              <a:buNone/>
+            </a:pPr>
+            <a:r>
+              <a:rPr lang="en-US" dirty="0"/>
+              <a:t>It can three up to 1000 million gallons of water per day</a:t>
+            </a:r>
+          </a:p>
+          <a:p>
+            <a:pPr marL="0" indent="0">
+              <a:buNone/>
+            </a:pPr>
+            <a:r>
+              <a:rPr lang="en-US" dirty="0"/>
+              <a:t>20% water can get you sick if you drink it</a:t>
+            </a:r>
+          </a:p>
+          <a:p>
+            <a:pPr marL="0" indent="0">
+              <a:buNone/>
+            </a:pPr>
+            <a:r>
+              <a:rPr lang="en-US" dirty="0"/>
+              <a:t>Some of the cleaned water goes to the ocean</a:t>
+            </a:r>
+          </a:p>
+          <a:p>
+            <a:pPr marL="0" indent="0">
+              <a:buNone/>
+            </a:pPr>
+            <a:r>
+              <a:rPr lang="en-US" dirty="0"/>
+              <a:t>21% water goes sprinklers, ocean, fountains</a:t>
+            </a:r>
+          </a:p>
+          <a:p>
+            <a:pPr marL="0" indent="0">
+              <a:buNone/>
+            </a:pPr>
+            <a:r>
+              <a:rPr lang="en-US" dirty="0"/>
+              <a:t>Other water plants make fresh water</a:t>
+            </a:r>
+          </a:p>
+          <a:p>
+            <a:pPr marL="0" indent="0">
+              <a:buNone/>
+            </a:pPr>
+            <a:r>
+              <a:rPr lang="en-US" dirty="0"/>
+              <a:t>Water travels 2ft per second in the pipes</a:t>
+            </a:r>
+          </a:p>
+          <a:p>
+            <a:pPr marL="0" indent="0">
+              <a:buNone/>
+            </a:pPr>
+            <a:r>
+              <a:rPr lang="en-US" dirty="0"/>
+              <a:t>They make their own electricity</a:t>
+            </a:r>
+          </a:p>
+          <a:p>
+            <a:pPr marL="0" indent="0">
+              <a:buNone/>
+            </a:pPr>
+            <a:r>
+              <a:rPr lang="en-US" dirty="0"/>
+              <a:t>They don’t use air conditioning, they use the water</a:t>
+            </a:r>
+          </a:p>
+          <a:p>
+            <a:pPr marL="0" indent="0">
+              <a:buNone/>
+            </a:pPr>
+            <a:r>
+              <a:rPr lang="en-US" dirty="0"/>
+              <a:t>Big pools of recycled water sits there for 5 hours</a:t>
+            </a:r>
+          </a:p>
+          <a:p>
+            <a:pPr marL="0" indent="0">
+              <a:buNone/>
+            </a:pPr>
+            <a:r>
+              <a:rPr lang="en-US" dirty="0"/>
+              <a:t>Uses rubber balls for a stream of water that drifts to LA so the water doesn’t evaporate</a:t>
+            </a:r>
+          </a:p>
+          <a:p>
+            <a:pPr marL="0" indent="0">
+              <a:buNone/>
+            </a:pPr>
+            <a:r>
+              <a:rPr lang="en-US" dirty="0"/>
+              <a:t>Lost of things get into water like bowling balls</a:t>
+            </a:r>
+          </a:p>
+          <a:p>
+            <a:pPr marL="0" indent="0">
+              <a:buNone/>
+            </a:pPr>
+            <a:r>
+              <a:rPr lang="en-US" dirty="0"/>
+              <a:t>Clean water for extra drinking</a:t>
+            </a:r>
+          </a:p>
+          <a:p>
+            <a:pPr marL="0" indent="0">
+              <a:buNone/>
+            </a:pPr>
+            <a:r>
+              <a:rPr lang="en-US" dirty="0"/>
+              <a:t>Covering water with rubber balls</a:t>
+            </a:r>
+          </a:p>
+          <a:p>
+            <a:pPr marL="0" indent="0">
+              <a:buNone/>
+            </a:pPr>
+            <a:r>
+              <a:rPr lang="en-US" dirty="0"/>
+              <a:t>Don’t use toilet as a trash can</a:t>
+            </a:r>
+          </a:p>
+          <a:p>
+            <a:pPr marL="0" indent="0">
+              <a:buNone/>
+            </a:pPr>
+            <a:r>
+              <a:rPr lang="en-US" dirty="0"/>
+              <a:t>Big pool 16  feet deep</a:t>
+            </a:r>
+          </a:p>
+          <a:p>
+            <a:pPr marL="0" indent="0">
+              <a:buNone/>
+            </a:pPr>
+            <a:endParaRPr lang="en-US" dirty="0"/>
+          </a:p>
+          <a:p>
+            <a:pPr marL="228600" indent="-228600">
+              <a:buAutoNum type="arabicPlain" startAt="2"/>
+            </a:pPr>
+            <a:endParaRPr lang="en-US" dirty="0"/>
+          </a:p>
+          <a:p>
+            <a:pPr marL="228600" indent="-228600">
+              <a:buAutoNum type="arabicPlain" startAt="2"/>
+            </a:pPr>
+            <a:endParaRPr lang="en-US" dirty="0"/>
+          </a:p>
+        </p:txBody>
+      </p:sp>
+      <p:sp>
+        <p:nvSpPr>
+          <p:cNvPr id="4" name="Slide Number Placeholder 3"/>
+          <p:cNvSpPr>
+            <a:spLocks noGrp="1"/>
+          </p:cNvSpPr>
+          <p:nvPr>
+            <p:ph type="sldNum" sz="quarter" idx="10"/>
+          </p:nvPr>
+        </p:nvSpPr>
+        <p:spPr/>
+        <p:txBody>
+          <a:bodyPr/>
+          <a:lstStyle/>
+          <a:p>
+            <a:fld id="{5444236B-8A05-4286-9B6C-A0A9590B747F}" type="slidenum">
+              <a:rPr lang="en-US" smtClean="0"/>
+              <a:t>2</a:t>
+            </a:fld>
+            <a:endParaRPr lang="en-US"/>
+          </a:p>
+        </p:txBody>
+      </p:sp>
+    </p:spTree>
+    <p:extLst>
+      <p:ext uri="{BB962C8B-B14F-4D97-AF65-F5344CB8AC3E}">
+        <p14:creationId xmlns:p14="http://schemas.microsoft.com/office/powerpoint/2010/main" val="339834437"/>
+      </p:ext>
+    </p:extLst>
+  </p:cSld>
+  <p:clrMapOvr>
+    <a:masterClrMapping/>
+  </p:clrMapOvr>
+</p:notes>
+</file>
+
+<file path=ppt/notesSlides/notesSlide2.xml><?xml version="1.0" encoding="utf-8"?>
+<p:notes xmlns:a="http://schemas.openxmlformats.org/drawingml/2006/main" xmlns:r="http://schemas.openxmlformats.org/officeDocument/2006/relationships" xmlns:p="http://schemas.openxmlformats.org/presentationml/2006/main">
+  <p:cSld>
+    <p:spTree>
+      <p:nvGrpSpPr>
+        <p:cNvPr id="1" name=""/>
+        <p:cNvGrpSpPr/>
+        <p:nvPr/>
+      </p:nvGrpSpPr>
+      <p:grpSpPr>
+        <a:xfrm>
+          <a:off x="0" y="0"/>
+          <a:ext cx="0" cy="0"/>
+          <a:chOff x="0" y="0"/>
+          <a:chExt cx="0" cy="0"/>
+        </a:xfrm>
+      </p:grpSpPr>
+      <p:sp>
+        <p:nvSpPr>
+          <p:cNvPr id="2" name="Slide Image Placeholder 1"/>
+          <p:cNvSpPr>
+            <a:spLocks noGrp="1" noRot="1" noChangeAspect="1"/>
+          </p:cNvSpPr>
+          <p:nvPr>
+            <p:ph type="sldImg"/>
+          </p:nvPr>
+        </p:nvSpPr>
+        <p:spPr/>
+      </p:sp>
+      <p:sp>
+        <p:nvSpPr>
+          <p:cNvPr id="3" name="Notes Placeholder 2"/>
+          <p:cNvSpPr>
+            <a:spLocks noGrp="1"/>
+          </p:cNvSpPr>
+          <p:nvPr>
+            <p:ph type="body" idx="1"/>
+          </p:nvPr>
+        </p:nvSpPr>
+        <p:spPr/>
+        <p:txBody>
+          <a:bodyPr/>
+          <a:lstStyle/>
+          <a:p>
+            <a:r>
+              <a:rPr lang="en-US" dirty="0" err="1"/>
               <a:t>Efrom</a:t>
             </a:r>
             <a:r>
-              <a:rPr lang="en-US" dirty="0" smtClean="0"/>
+              <a:rPr lang="en-US" dirty="0"/>
               <a:t> </a:t>
             </a:r>
           </a:p>
           <a:p>
             <a:r>
-              <a:rPr lang="en-US" dirty="0" smtClean="0"/>
+              <a:rPr lang="en-US" dirty="0"/>
               <a:t>Nathan</a:t>
             </a:r>
-            <a:endParaRPr lang="en-US" dirty="0"/>
           </a:p>
         </p:txBody>
       </p:sp>
@@ -743,7 +1100,7 @@
           </a:lstStyle>
           <a:p>
             <a:r>
-              <a:rPr lang="en-US" smtClean="0"/>
+              <a:rPr lang="en-US"/>
               <a:t>Click to edit Master title style</a:t>
             </a:r>
             <a:endParaRPr lang="en-US" dirty="0"/>
@@ -862,7 +1219,7 @@
           </a:lstStyle>
           <a:p>
             <a:r>
-              <a:rPr lang="en-US" smtClean="0"/>
+              <a:rPr lang="en-US"/>
               <a:t>Click to edit Master subtitle style</a:t>
             </a:r>
             <a:endParaRPr lang="en-US" dirty="0"/>
@@ -1068,13 +1425,6 @@
   <p:clrMapOvr>
     <a:masterClrMapping/>
   </p:clrMapOvr>
-  <p:timing>
-    <p:tnLst>
-      <p:par>
-        <p:cTn id="1" dur="indefinite" restart="never" nodeType="tmRoot"/>
-      </p:par>
-    </p:tnLst>
-  </p:timing>
 </p:sldLayout>
 </file>
 
@@ -1111,10 +1461,9 @@
           <a:lstStyle/>
           <a:p>
             <a:r>
-              <a:rPr lang="en-US" smtClean="0"/>
+              <a:rPr lang="en-US"/>
               <a:t>Click to edit Master title style</a:t>
             </a:r>
-            <a:endParaRPr lang="en-US"/>
           </a:p>
         </p:txBody>
       </p:sp>
@@ -1135,38 +1484,37 @@
           <a:p>
             <a:pPr lvl="0"/>
             <a:r>
-              <a:rPr lang="en-US" smtClean="0"/>
+              <a:rPr lang="en-US"/>
               <a:t>Click to edit Master text styles</a:t>
             </a:r>
           </a:p>
           <a:p>
             <a:pPr lvl="1"/>
             <a:r>
-              <a:rPr lang="en-US" smtClean="0"/>
+              <a:rPr lang="en-US"/>
               <a:t>Second level</a:t>
             </a:r>
           </a:p>
           <a:p>
             <a:pPr lvl="2"/>
             <a:r>
-              <a:rPr lang="en-US" smtClean="0"/>
+              <a:rPr lang="en-US"/>
               <a:t>Third level</a:t>
             </a:r>
           </a:p>
           <a:p>
             <a:pPr lvl="3"/>
             <a:r>
-              <a:rPr lang="en-US" smtClean="0"/>
+              <a:rPr lang="en-US"/>
               <a:t>Fourth level</a:t>
             </a:r>
           </a:p>
           <a:p>
             <a:pPr lvl="4"/>
             <a:r>
-              <a:rPr lang="en-US" smtClean="0"/>
+              <a:rPr lang="en-US"/>
               <a:t>Fifth level</a:t>
             </a:r>
-            <a:endParaRPr lang="en-US"/>
           </a:p>
         </p:txBody>
       </p:sp>
@@ -1281,10 +1629,9 @@
           <a:lstStyle/>
           <a:p>
             <a:r>
-              <a:rPr lang="en-US" smtClean="0"/>
+              <a:rPr lang="en-US"/>
               <a:t>Click to edit Master title style</a:t>
             </a:r>
-            <a:endParaRPr lang="en-US"/>
           </a:p>
         </p:txBody>
       </p:sp>
@@ -1310,38 +1657,37 @@
           <a:p>
             <a:pPr lvl="0"/>
             <a:r>
-              <a:rPr lang="en-US" smtClean="0"/>
+              <a:rPr lang="en-US"/>
               <a:t>Click to edit Master text styles</a:t>
             </a:r>
           </a:p>
           <a:p>
             <a:pPr lvl="1"/>
             <a:r>
-              <a:rPr lang="en-US" smtClean="0"/>
+              <a:rPr lang="en-US"/>
               <a:t>Second level</a:t>
             </a:r>
           </a:p>
           <a:p>
             <a:pPr lvl="2"/>
             <a:r>
-              <a:rPr lang="en-US" smtClean="0"/>
+              <a:rPr lang="en-US"/>
               <a:t>Third level</a:t>
             </a:r>
           </a:p>
           <a:p>
             <a:pPr lvl="3"/>
             <a:r>
-              <a:rPr lang="en-US" smtClean="0"/>
+              <a:rPr lang="en-US"/>
               <a:t>Fourth level</a:t>
             </a:r>
           </a:p>
           <a:p>
             <a:pPr lvl="4"/>
             <a:r>
-              <a:rPr lang="en-US" smtClean="0"/>
+              <a:rPr lang="en-US"/>
               <a:t>Fifth level</a:t>
             </a:r>
-            <a:endParaRPr lang="en-US"/>
           </a:p>
         </p:txBody>
       </p:sp>
@@ -1451,10 +1797,9 @@
           <a:lstStyle/>
           <a:p>
             <a:r>
-              <a:rPr lang="en-US" smtClean="0"/>
+              <a:rPr lang="en-US"/>
               <a:t>Click to edit Master title style</a:t>
             </a:r>
-            <a:endParaRPr lang="en-US"/>
           </a:p>
         </p:txBody>
       </p:sp>
@@ -1475,35 +1820,35 @@
           <a:p>
             <a:pPr lvl="0"/>
             <a:r>
-              <a:rPr lang="en-US" smtClean="0"/>
+              <a:rPr lang="en-US"/>
               <a:t>Click to edit Master text styles</a:t>
             </a:r>
           </a:p>
           <a:p>
             <a:pPr lvl="1"/>
             <a:r>
-              <a:rPr lang="en-US" smtClean="0"/>
+              <a:rPr lang="en-US"/>
               <a:t>Second level</a:t>
             </a:r>
           </a:p>
           <a:p>
             <a:pPr lvl="2"/>
             <a:r>
-              <a:rPr lang="en-US" smtClean="0"/>
+              <a:rPr lang="en-US"/>
               <a:t>Third level</a:t>
             </a:r>
           </a:p>
           <a:p>
             <a:pPr lvl="3"/>
             <a:r>
-              <a:rPr lang="en-US" smtClean="0"/>
+              <a:rPr lang="en-US"/>
               <a:t>Fourth level</a:t>
             </a:r>
           </a:p>
           <a:p>
             <a:pPr lvl="4"/>
             <a:r>
-              <a:rPr lang="en-US" smtClean="0"/>
+              <a:rPr lang="en-US"/>
               <a:t>Fifth level</a:t>
             </a:r>
             <a:endParaRPr lang="en-US" dirty="0"/>
@@ -1553,7 +1898,7 @@
           <a:p>
             <a:pPr algn="ctr"/>
             <a:r>
-              <a:rPr lang="en-US" sz="3200" b="1" cap="none" spc="0" dirty="0" err="1" smtClean="0">
+              <a:rPr lang="en-US" sz="3200" b="1" cap="none" spc="0" dirty="0" err="1">
                 <a:ln w="12700">
                   <a:solidFill>
                     <a:schemeClr val="tx2">
@@ -1580,7 +1925,7 @@
               <a:t>Rockin</a:t>
             </a:r>
             <a:r>
-              <a:rPr lang="en-US" sz="3200" b="1" cap="none" spc="0" dirty="0" smtClean="0">
+              <a:rPr lang="en-US" sz="3200" b="1" cap="none" spc="0" dirty="0">
                 <a:ln w="12700">
                   <a:solidFill>
                     <a:schemeClr val="tx2">
@@ -1607,7 +1952,7 @@
               <a:t>’</a:t>
             </a:r>
             <a:r>
-              <a:rPr lang="en-US" sz="3200" b="1" cap="none" spc="0" baseline="0" dirty="0" smtClean="0">
+              <a:rPr lang="en-US" sz="3200" b="1" cap="none" spc="0" baseline="0" dirty="0">
                 <a:ln w="12700">
                   <a:solidFill>
                     <a:schemeClr val="tx2">
@@ -1634,7 +1979,7 @@
               <a:t> </a:t>
             </a:r>
             <a:r>
-              <a:rPr lang="en-US" sz="3200" b="1" cap="none" spc="0" dirty="0" smtClean="0">
+              <a:rPr lang="en-US" sz="3200" b="1" cap="none" spc="0" dirty="0">
                 <a:ln w="12700">
                   <a:solidFill>
                     <a:schemeClr val="tx2">
@@ -1660,30 +2005,6 @@
               </a:rPr>
               <a:t>Robots</a:t>
             </a:r>
-            <a:endParaRPr lang="en-US" sz="3200" b="1" cap="none" spc="0" dirty="0">
-              <a:ln w="12700">
-                <a:solidFill>
-                  <a:schemeClr val="tx2">
-                    <a:satMod val="155000"/>
-                  </a:schemeClr>
-                </a:solidFill>
-                <a:prstDash val="solid"/>
-              </a:ln>
-              <a:solidFill>
-                <a:schemeClr val="bg2">
-                  <a:tint val="85000"/>
-                  <a:satMod val="155000"/>
-                </a:schemeClr>
-              </a:solidFill>
-              <a:effectLst>
-                <a:outerShdw blurRad="41275" dist="20320" dir="1800000" algn="tl" rotWithShape="0">
-                  <a:srgbClr val="000000">
-                    <a:alpha val="40000"/>
-                  </a:srgbClr>
-                </a:outerShdw>
-              </a:effectLst>
-              <a:latin typeface="Harlow Solid Italic" pitchFamily="82" charset="0"/>
-            </a:endParaRPr>
           </a:p>
         </p:txBody>
       </p:sp>
@@ -1692,13 +2013,6 @@
   <p:clrMapOvr>
     <a:masterClrMapping/>
   </p:clrMapOvr>
-  <p:timing>
-    <p:tnLst>
-      <p:par>
-        <p:cTn id="1" dur="indefinite" restart="never" nodeType="tmRoot"/>
-      </p:par>
-    </p:tnLst>
-  </p:timing>
 </p:sldLayout>
 </file>
 
@@ -1744,7 +2058,7 @@
           </a:lstStyle>
           <a:p>
             <a:r>
-              <a:rPr lang="en-US" smtClean="0"/>
+              <a:rPr lang="en-US"/>
               <a:t>Click to edit Master title style</a:t>
             </a:r>
             <a:endParaRPr lang="en-US" dirty="0"/>
@@ -1864,7 +2178,7 @@
           <a:p>
             <a:pPr lvl="0"/>
             <a:r>
-              <a:rPr lang="en-US" smtClean="0"/>
+              <a:rPr lang="en-US"/>
               <a:t>Click to edit Master text styles</a:t>
             </a:r>
           </a:p>
@@ -1976,10 +2290,9 @@
           <a:lstStyle/>
           <a:p>
             <a:r>
-              <a:rPr lang="en-US" smtClean="0"/>
+              <a:rPr lang="en-US"/>
               <a:t>Click to edit Master title style</a:t>
             </a:r>
-            <a:endParaRPr lang="en-US"/>
           </a:p>
         </p:txBody>
       </p:sp>
@@ -2070,35 +2383,35 @@
           <a:p>
             <a:pPr lvl="0"/>
             <a:r>
-              <a:rPr lang="en-US" smtClean="0"/>
+              <a:rPr lang="en-US"/>
               <a:t>Click to edit Master text styles</a:t>
             </a:r>
           </a:p>
           <a:p>
             <a:pPr lvl="1"/>
             <a:r>
-              <a:rPr lang="en-US" smtClean="0"/>
+              <a:rPr lang="en-US"/>
               <a:t>Second level</a:t>
             </a:r>
           </a:p>
           <a:p>
             <a:pPr lvl="2"/>
             <a:r>
-              <a:rPr lang="en-US" smtClean="0"/>
+              <a:rPr lang="en-US"/>
               <a:t>Third level</a:t>
             </a:r>
           </a:p>
           <a:p>
             <a:pPr lvl="3"/>
             <a:r>
-              <a:rPr lang="en-US" smtClean="0"/>
+              <a:rPr lang="en-US"/>
               <a:t>Fourth level</a:t>
             </a:r>
           </a:p>
           <a:p>
             <a:pPr lvl="4"/>
             <a:r>
-              <a:rPr lang="en-US" smtClean="0"/>
+              <a:rPr lang="en-US"/>
               <a:t>Fifth level</a:t>
             </a:r>
             <a:endParaRPr lang="en-US" dirty="0"/>
@@ -2127,38 +2440,37 @@
           <a:p>
             <a:pPr lvl="0"/>
             <a:r>
-              <a:rPr lang="en-US" smtClean="0"/>
+              <a:rPr lang="en-US"/>
               <a:t>Click to edit Master text styles</a:t>
             </a:r>
           </a:p>
           <a:p>
             <a:pPr lvl="1"/>
             <a:r>
-              <a:rPr lang="en-US" smtClean="0"/>
+              <a:rPr lang="en-US"/>
               <a:t>Second level</a:t>
             </a:r>
           </a:p>
           <a:p>
             <a:pPr lvl="2"/>
             <a:r>
-              <a:rPr lang="en-US" smtClean="0"/>
+              <a:rPr lang="en-US"/>
               <a:t>Third level</a:t>
             </a:r>
           </a:p>
           <a:p>
             <a:pPr lvl="3"/>
             <a:r>
-              <a:rPr lang="en-US" smtClean="0"/>
+              <a:rPr lang="en-US"/>
               <a:t>Fourth level</a:t>
             </a:r>
           </a:p>
           <a:p>
             <a:pPr lvl="4"/>
             <a:r>
-              <a:rPr lang="en-US" smtClean="0"/>
+              <a:rPr lang="en-US"/>
               <a:t>Fifth level</a:t>
             </a:r>
-            <a:endParaRPr lang="en-US"/>
           </a:p>
         </p:txBody>
       </p:sp>
@@ -2207,10 +2519,9 @@
           </a:lstStyle>
           <a:p>
             <a:r>
-              <a:rPr lang="en-US" smtClean="0"/>
+              <a:rPr lang="en-US"/>
               <a:t>Click to edit Master title style</a:t>
             </a:r>
-            <a:endParaRPr lang="en-US"/>
           </a:p>
         </p:txBody>
       </p:sp>
@@ -2277,7 +2588,7 @@
           <a:p>
             <a:pPr lvl="0"/>
             <a:r>
-              <a:rPr lang="en-US" smtClean="0"/>
+              <a:rPr lang="en-US"/>
               <a:t>Click to edit Master text styles</a:t>
             </a:r>
           </a:p>
@@ -2333,35 +2644,35 @@
           <a:p>
             <a:pPr lvl="0"/>
             <a:r>
-              <a:rPr lang="en-US" smtClean="0"/>
+              <a:rPr lang="en-US"/>
               <a:t>Click to edit Master text styles</a:t>
             </a:r>
           </a:p>
           <a:p>
             <a:pPr lvl="1"/>
             <a:r>
-              <a:rPr lang="en-US" smtClean="0"/>
+              <a:rPr lang="en-US"/>
               <a:t>Second level</a:t>
             </a:r>
           </a:p>
           <a:p>
             <a:pPr lvl="2"/>
             <a:r>
-              <a:rPr lang="en-US" smtClean="0"/>
+              <a:rPr lang="en-US"/>
               <a:t>Third level</a:t>
             </a:r>
           </a:p>
           <a:p>
             <a:pPr lvl="3"/>
             <a:r>
-              <a:rPr lang="en-US" smtClean="0"/>
+              <a:rPr lang="en-US"/>
               <a:t>Fourth level</a:t>
             </a:r>
           </a:p>
           <a:p>
             <a:pPr lvl="4"/>
             <a:r>
-              <a:rPr lang="en-US" smtClean="0"/>
+              <a:rPr lang="en-US"/>
               <a:t>Fifth level</a:t>
             </a:r>
             <a:endParaRPr lang="en-US" dirty="0"/>
@@ -2431,7 +2742,7 @@
           <a:p>
             <a:pPr lvl="0"/>
             <a:r>
-              <a:rPr lang="en-US" smtClean="0"/>
+              <a:rPr lang="en-US"/>
               <a:t>Click to edit Master text styles</a:t>
             </a:r>
           </a:p>
@@ -2487,35 +2798,35 @@
           <a:p>
             <a:pPr lvl="0"/>
             <a:r>
-              <a:rPr lang="en-US" smtClean="0"/>
+              <a:rPr lang="en-US"/>
               <a:t>Click to edit Master text styles</a:t>
             </a:r>
           </a:p>
           <a:p>
             <a:pPr lvl="1"/>
             <a:r>
-              <a:rPr lang="en-US" smtClean="0"/>
+              <a:rPr lang="en-US"/>
               <a:t>Second level</a:t>
             </a:r>
           </a:p>
           <a:p>
             <a:pPr lvl="2"/>
             <a:r>
-              <a:rPr lang="en-US" smtClean="0"/>
+              <a:rPr lang="en-US"/>
               <a:t>Third level</a:t>
             </a:r>
           </a:p>
           <a:p>
             <a:pPr lvl="3"/>
             <a:r>
-              <a:rPr lang="en-US" smtClean="0"/>
+              <a:rPr lang="en-US"/>
               <a:t>Fourth level</a:t>
             </a:r>
           </a:p>
           <a:p>
             <a:pPr lvl="4"/>
             <a:r>
-              <a:rPr lang="en-US" smtClean="0"/>
+              <a:rPr lang="en-US"/>
               <a:t>Fifth level</a:t>
             </a:r>
             <a:endParaRPr lang="en-US" dirty="0"/>
@@ -2628,10 +2939,9 @@
           <a:lstStyle/>
           <a:p>
             <a:r>
-              <a:rPr lang="en-US" smtClean="0"/>
+              <a:rPr lang="en-US"/>
               <a:t>Click to edit Master title style</a:t>
             </a:r>
-            <a:endParaRPr lang="en-US"/>
           </a:p>
         </p:txBody>
       </p:sp>
@@ -5520,35 +5830,35 @@
           <a:p>
             <a:pPr lvl="0"/>
             <a:r>
-              <a:rPr lang="en-US" smtClean="0"/>
+              <a:rPr lang="en-US"/>
               <a:t>Click to edit Master text styles</a:t>
             </a:r>
           </a:p>
           <a:p>
             <a:pPr lvl="1"/>
             <a:r>
-              <a:rPr lang="en-US" smtClean="0"/>
+              <a:rPr lang="en-US"/>
               <a:t>Second level</a:t>
             </a:r>
           </a:p>
           <a:p>
             <a:pPr lvl="2"/>
             <a:r>
-              <a:rPr lang="en-US" smtClean="0"/>
+              <a:rPr lang="en-US"/>
               <a:t>Third level</a:t>
             </a:r>
           </a:p>
           <a:p>
             <a:pPr lvl="3"/>
             <a:r>
-              <a:rPr lang="en-US" smtClean="0"/>
+              <a:rPr lang="en-US"/>
               <a:t>Fourth level</a:t>
             </a:r>
           </a:p>
           <a:p>
             <a:pPr lvl="4"/>
             <a:r>
-              <a:rPr lang="en-US" smtClean="0"/>
+              <a:rPr lang="en-US"/>
               <a:t>Fifth level</a:t>
             </a:r>
             <a:endParaRPr lang="en-US" dirty="0"/>
@@ -5654,10 +5964,9 @@
           </a:lstStyle>
           <a:p>
             <a:r>
-              <a:rPr lang="en-US" smtClean="0"/>
+              <a:rPr lang="en-US"/>
               <a:t>Click to edit Master title style</a:t>
             </a:r>
-            <a:endParaRPr lang="en-US"/>
           </a:p>
         </p:txBody>
       </p:sp>
@@ -5726,7 +6035,7 @@
           <a:p>
             <a:pPr lvl="0"/>
             <a:r>
-              <a:rPr lang="en-US" smtClean="0"/>
+              <a:rPr lang="en-US"/>
               <a:t>Click to edit Master text styles</a:t>
             </a:r>
           </a:p>
@@ -8441,10 +8750,9 @@
           </a:lstStyle>
           <a:p>
             <a:r>
-              <a:rPr lang="en-US" smtClean="0"/>
+              <a:rPr lang="en-US"/>
               <a:t>Click to edit Master title style</a:t>
             </a:r>
-            <a:endParaRPr lang="en-US"/>
           </a:p>
         </p:txBody>
       </p:sp>
@@ -8510,7 +8818,7 @@
           </a:lstStyle>
           <a:p>
             <a:r>
-              <a:rPr lang="en-US" smtClean="0"/>
+              <a:rPr lang="en-US"/>
               <a:t>Click icon to add picture</a:t>
             </a:r>
             <a:endParaRPr lang="en-US" dirty="0"/>
@@ -8582,7 +8890,7 @@
           <a:p>
             <a:pPr lvl="0"/>
             <a:r>
-              <a:rPr lang="en-US" smtClean="0"/>
+              <a:rPr lang="en-US"/>
               <a:t>Click to edit Master text styles</a:t>
             </a:r>
           </a:p>
@@ -8901,7 +9209,7 @@
           <a:lstStyle/>
           <a:p>
             <a:r>
-              <a:rPr lang="en-US" smtClean="0"/>
+              <a:rPr lang="en-US"/>
               <a:t>Click to edit Master title style</a:t>
             </a:r>
             <a:endParaRPr lang="en-US" dirty="0"/>
@@ -8935,35 +9243,35 @@
           <a:p>
             <a:pPr lvl="0"/>
             <a:r>
-              <a:rPr lang="en-US" smtClean="0"/>
+              <a:rPr lang="en-US"/>
               <a:t>Click to edit Master text styles</a:t>
             </a:r>
           </a:p>
           <a:p>
             <a:pPr lvl="1"/>
             <a:r>
-              <a:rPr lang="en-US" smtClean="0"/>
+              <a:rPr lang="en-US"/>
               <a:t>Second level</a:t>
             </a:r>
           </a:p>
           <a:p>
             <a:pPr lvl="2"/>
             <a:r>
-              <a:rPr lang="en-US" smtClean="0"/>
+              <a:rPr lang="en-US"/>
               <a:t>Third level</a:t>
             </a:r>
           </a:p>
           <a:p>
             <a:pPr lvl="3"/>
             <a:r>
-              <a:rPr lang="en-US" smtClean="0"/>
+              <a:rPr lang="en-US"/>
               <a:t>Fourth level</a:t>
             </a:r>
           </a:p>
           <a:p>
             <a:pPr lvl="4"/>
             <a:r>
-              <a:rPr lang="en-US" smtClean="0"/>
+              <a:rPr lang="en-US"/>
               <a:t>Fifth level</a:t>
             </a:r>
             <a:endParaRPr lang="en-US" dirty="0"/>
@@ -9099,13 +9407,6 @@
     <p:sldLayoutId id="2147483670" r:id="rId10"/>
     <p:sldLayoutId id="2147483671" r:id="rId11"/>
   </p:sldLayoutIdLst>
-  <p:timing>
-    <p:tnLst>
-      <p:par>
-        <p:cTn id="1" dur="indefinite" restart="never" nodeType="tmRoot"/>
-      </p:par>
-    </p:tnLst>
-  </p:timing>
   <p:txStyles>
     <p:titleStyle>
       <a:lvl1pPr algn="l" defTabSz="914400" rtl="0" eaLnBrk="1" latinLnBrk="0" hangingPunct="1">
@@ -9485,25 +9786,16 @@
           </a:bodyPr>
           <a:lstStyle/>
           <a:p>
-            <a:r>
-              <a:rPr lang="en-US" dirty="0" smtClean="0"/>
-              <a:t/>
-            </a:r>
             <a:br>
-              <a:rPr lang="en-US" dirty="0" smtClean="0"/>
+              <a:rPr lang="en-US" dirty="0"/>
             </a:br>
-            <a:r>
-              <a:rPr lang="en-US" dirty="0" smtClean="0"/>
-              <a:t/>
-            </a:r>
             <a:br>
-              <a:rPr lang="en-US" dirty="0" smtClean="0"/>
+              <a:rPr lang="en-US" dirty="0"/>
             </a:br>
             <a:r>
-              <a:rPr lang="en-US" dirty="0" smtClean="0"/>
+              <a:rPr lang="en-US" dirty="0"/>
               <a:t>Girl Scouts LEGO Robotics</a:t>
             </a:r>
-            <a:endParaRPr lang="en-US" dirty="0"/>
           </a:p>
         </p:txBody>
       </p:sp>
@@ -9523,16 +9815,16 @@
           <a:lstStyle/>
           <a:p>
             <a:r>
-              <a:rPr lang="en-US" dirty="0" smtClean="0"/>
+              <a:rPr lang="en-US" dirty="0"/>
               <a:t>Meeting 6 – Robot Car</a:t>
             </a:r>
           </a:p>
           <a:p>
-            <a:endParaRPr lang="en-US" dirty="0" smtClean="0"/>
-          </a:p>
-          <a:p>
-            <a:r>
-              <a:rPr lang="en-US" dirty="0" smtClean="0"/>
+            <a:endParaRPr lang="en-US" dirty="0"/>
+          </a:p>
+          <a:p>
+            <a:r>
+              <a:rPr lang="en-US" dirty="0"/>
               <a:t>August 22, 2017</a:t>
             </a:r>
           </a:p>
@@ -9565,7 +9857,7 @@
           <a:p>
             <a:pPr algn="ctr"/>
             <a:r>
-              <a:rPr lang="en-US" sz="4800" b="1" cap="none" spc="0" dirty="0" err="1" smtClean="0">
+              <a:rPr lang="en-US" sz="4800" b="1" cap="none" spc="0" dirty="0" err="1">
                 <a:ln w="12700">
                   <a:solidFill>
                     <a:schemeClr val="tx2">
@@ -9592,7 +9884,7 @@
               <a:t>Rockin</a:t>
             </a:r>
             <a:r>
-              <a:rPr lang="en-US" sz="4800" b="1" cap="none" spc="0" dirty="0" smtClean="0">
+              <a:rPr lang="en-US" sz="4800" b="1" cap="none" spc="0" dirty="0">
                 <a:ln w="12700">
                   <a:solidFill>
                     <a:schemeClr val="tx2">
@@ -9622,7 +9914,7 @@
           <a:p>
             <a:pPr algn="ctr"/>
             <a:r>
-              <a:rPr lang="en-US" sz="4800" b="1" cap="none" spc="0" dirty="0" smtClean="0">
+              <a:rPr lang="en-US" sz="4800" b="1" cap="none" spc="0" dirty="0">
                 <a:ln w="12700">
                   <a:solidFill>
                     <a:schemeClr val="tx2">
@@ -9648,30 +9940,6 @@
               </a:rPr>
               <a:t>Robots</a:t>
             </a:r>
-            <a:endParaRPr lang="en-US" sz="4800" b="1" cap="none" spc="0" dirty="0">
-              <a:ln w="12700">
-                <a:solidFill>
-                  <a:schemeClr val="tx2">
-                    <a:satMod val="155000"/>
-                  </a:schemeClr>
-                </a:solidFill>
-                <a:prstDash val="solid"/>
-              </a:ln>
-              <a:solidFill>
-                <a:schemeClr val="bg2">
-                  <a:tint val="85000"/>
-                  <a:satMod val="155000"/>
-                </a:schemeClr>
-              </a:solidFill>
-              <a:effectLst>
-                <a:outerShdw blurRad="41275" dist="20320" dir="1800000" algn="tl" rotWithShape="0">
-                  <a:srgbClr val="000000">
-                    <a:alpha val="40000"/>
-                  </a:srgbClr>
-                </a:outerShdw>
-              </a:effectLst>
-              <a:latin typeface="Harlow Solid Italic" pitchFamily="82" charset="0"/>
-            </a:endParaRPr>
           </a:p>
         </p:txBody>
       </p:sp>
@@ -9685,13 +9953,6 @@
   <p:clrMapOvr>
     <a:masterClrMapping/>
   </p:clrMapOvr>
-  <p:timing>
-    <p:tnLst>
-      <p:par>
-        <p:cTn id="1" dur="indefinite" restart="never" nodeType="tmRoot"/>
-      </p:par>
-    </p:tnLst>
-  </p:timing>
 </p:sld>
 </file>
 
@@ -9728,10 +9989,9 @@
           <a:lstStyle/>
           <a:p>
             <a:r>
-              <a:rPr lang="en-US" dirty="0" smtClean="0"/>
+              <a:rPr lang="en-US" dirty="0"/>
               <a:t>What are we doing today?</a:t>
             </a:r>
-            <a:endParaRPr lang="en-US" dirty="0"/>
           </a:p>
         </p:txBody>
       </p:sp>
@@ -9753,31 +10013,31 @@
           <a:lstStyle/>
           <a:p>
             <a:r>
-              <a:rPr lang="en-US" dirty="0" smtClean="0"/>
+              <a:rPr lang="en-US" dirty="0"/>
               <a:t>Review Hyperion Plant trip</a:t>
             </a:r>
           </a:p>
           <a:p>
             <a:r>
-              <a:rPr lang="en-US" dirty="0" smtClean="0"/>
+              <a:rPr lang="en-US" dirty="0"/>
               <a:t>Review wheel circumference</a:t>
             </a:r>
           </a:p>
           <a:p>
             <a:r>
-              <a:rPr lang="en-US" dirty="0" smtClean="0"/>
+              <a:rPr lang="en-US" dirty="0"/>
               <a:t>Build the robot car</a:t>
             </a:r>
           </a:p>
           <a:p>
             <a:r>
-              <a:rPr lang="en-US" dirty="0" smtClean="0"/>
+              <a:rPr lang="en-US" dirty="0"/>
               <a:t>Run the robot</a:t>
             </a:r>
           </a:p>
           <a:p>
             <a:r>
-              <a:rPr lang="en-US" dirty="0" smtClean="0"/>
+              <a:rPr lang="en-US" dirty="0"/>
               <a:t>Make the car go the right amount of distance</a:t>
             </a:r>
           </a:p>
@@ -9793,13 +10053,6 @@
   <p:clrMapOvr>
     <a:masterClrMapping/>
   </p:clrMapOvr>
-  <p:timing>
-    <p:tnLst>
-      <p:par>
-        <p:cTn id="1" dur="indefinite" restart="never" nodeType="tmRoot"/>
-      </p:par>
-    </p:tnLst>
-  </p:timing>
 </p:sld>
 </file>
 
@@ -9836,10 +10089,9 @@
           <a:lstStyle/>
           <a:p>
             <a:r>
-              <a:rPr lang="en-US" dirty="0" smtClean="0"/>
+              <a:rPr lang="en-US" dirty="0"/>
               <a:t>Hyperion Plant Homework</a:t>
             </a:r>
-            <a:endParaRPr lang="en-US" dirty="0"/>
           </a:p>
         </p:txBody>
       </p:sp>
@@ -9872,13 +10124,6 @@
   <p:clrMapOvr>
     <a:masterClrMapping/>
   </p:clrMapOvr>
-  <p:timing>
-    <p:tnLst>
-      <p:par>
-        <p:cTn id="1" dur="indefinite" restart="never" nodeType="tmRoot"/>
-      </p:par>
-    </p:tnLst>
-  </p:timing>
 </p:sld>
 </file>
 
@@ -9915,10 +10160,9 @@
           <a:lstStyle/>
           <a:p>
             <a:r>
-              <a:rPr lang="en-US" dirty="0" smtClean="0"/>
+              <a:rPr lang="en-US" dirty="0"/>
               <a:t>Circumference of a Circle</a:t>
             </a:r>
-            <a:endParaRPr lang="en-US" dirty="0"/>
           </a:p>
         </p:txBody>
       </p:sp>
@@ -9946,42 +10190,28 @@
               <a:rPr lang="en-US" dirty="0"/>
               <a:t>Circumference = </a:t>
             </a:r>
-            <a:endParaRPr lang="en-US" dirty="0" smtClean="0"/>
           </a:p>
           <a:p>
             <a:pPr lvl="1"/>
             <a:r>
-              <a:rPr lang="el-GR" dirty="0" smtClean="0"/>
-              <a:t>π</a:t>
-            </a:r>
-            <a:r>
               <a:rPr lang="el-GR" dirty="0"/>
-              <a:t> × </a:t>
-            </a:r>
-            <a:r>
-              <a:rPr lang="en-US" dirty="0" smtClean="0"/>
+              <a:t>π × </a:t>
+            </a:r>
+            <a:r>
+              <a:rPr lang="en-US" dirty="0"/>
               <a:t>diameter</a:t>
             </a:r>
           </a:p>
           <a:p>
             <a:pPr lvl="1"/>
             <a:r>
-              <a:rPr lang="el-GR" dirty="0" smtClean="0"/>
-              <a:t>π</a:t>
-            </a:r>
-            <a:r>
               <a:rPr lang="el-GR" dirty="0"/>
-              <a:t> × </a:t>
+              <a:t>π × </a:t>
             </a:r>
             <a:r>
               <a:rPr lang="en-US" dirty="0"/>
-              <a:t>2 × </a:t>
-            </a:r>
-            <a:r>
-              <a:rPr lang="en-US" dirty="0" smtClean="0"/>
-              <a:t>radius</a:t>
-            </a:r>
-            <a:endParaRPr lang="en-US" dirty="0"/>
+              <a:t>2 × radius</a:t>
+            </a:r>
           </a:p>
         </p:txBody>
       </p:sp>
@@ -10087,10 +10317,9 @@
           <a:lstStyle/>
           <a:p>
             <a:r>
-              <a:rPr lang="en-US" dirty="0" smtClean="0"/>
+              <a:rPr lang="en-US" dirty="0"/>
               <a:t>Diameter</a:t>
             </a:r>
-            <a:endParaRPr lang="en-US" dirty="0"/>
           </a:p>
         </p:txBody>
       </p:sp>
@@ -10196,10 +10425,9 @@
           <a:lstStyle/>
           <a:p>
             <a:r>
-              <a:rPr lang="en-US" dirty="0" smtClean="0"/>
+              <a:rPr lang="en-US" dirty="0"/>
               <a:t>Radius</a:t>
             </a:r>
-            <a:endParaRPr lang="en-US" dirty="0"/>
           </a:p>
         </p:txBody>
       </p:sp>
@@ -10271,10 +10499,9 @@
           <a:lstStyle/>
           <a:p>
             <a:r>
-              <a:rPr lang="en-US" sz="1400" dirty="0" smtClean="0"/>
+              <a:rPr lang="en-US" sz="1400" dirty="0"/>
               <a:t>Circumference</a:t>
             </a:r>
-            <a:endParaRPr lang="en-US" sz="1400" dirty="0"/>
           </a:p>
         </p:txBody>
       </p:sp>
@@ -10328,13 +10555,6 @@
   <p:clrMapOvr>
     <a:masterClrMapping/>
   </p:clrMapOvr>
-  <p:timing>
-    <p:tnLst>
-      <p:par>
-        <p:cTn id="1" dur="indefinite" restart="never" nodeType="tmRoot"/>
-      </p:par>
-    </p:tnLst>
-  </p:timing>
 </p:sld>
 </file>
 
@@ -10371,10 +10591,9 @@
           <a:lstStyle/>
           <a:p>
             <a:r>
-              <a:rPr lang="en-US" dirty="0" smtClean="0"/>
+              <a:rPr lang="en-US" dirty="0"/>
               <a:t>360 degree in a wheel</a:t>
             </a:r>
-            <a:endParaRPr lang="en-US" dirty="0"/>
           </a:p>
         </p:txBody>
       </p:sp>
@@ -10439,10 +10658,9 @@
           <a:lstStyle/>
           <a:p>
             <a:r>
-              <a:rPr lang="en-US" dirty="0" smtClean="0"/>
+              <a:rPr lang="en-US" dirty="0"/>
               <a:t>0</a:t>
             </a:r>
-            <a:endParaRPr lang="en-US" dirty="0"/>
           </a:p>
         </p:txBody>
       </p:sp>
@@ -10469,10 +10687,9 @@
           <a:lstStyle/>
           <a:p>
             <a:r>
-              <a:rPr lang="en-US" dirty="0" smtClean="0"/>
+              <a:rPr lang="en-US" dirty="0"/>
               <a:t>90</a:t>
             </a:r>
-            <a:endParaRPr lang="en-US" dirty="0"/>
           </a:p>
         </p:txBody>
       </p:sp>
@@ -10499,10 +10716,9 @@
           <a:lstStyle/>
           <a:p>
             <a:r>
-              <a:rPr lang="en-US" dirty="0" smtClean="0"/>
+              <a:rPr lang="en-US" dirty="0"/>
               <a:t>180</a:t>
             </a:r>
-            <a:endParaRPr lang="en-US" dirty="0"/>
           </a:p>
         </p:txBody>
       </p:sp>
@@ -10529,10 +10745,9 @@
           <a:lstStyle/>
           <a:p>
             <a:r>
-              <a:rPr lang="en-US" dirty="0" smtClean="0"/>
+              <a:rPr lang="en-US" dirty="0"/>
               <a:t>270</a:t>
             </a:r>
-            <a:endParaRPr lang="en-US" dirty="0"/>
           </a:p>
         </p:txBody>
       </p:sp>
@@ -10559,10 +10774,9 @@
           <a:lstStyle/>
           <a:p>
             <a:r>
-              <a:rPr lang="en-US" dirty="0" smtClean="0"/>
+              <a:rPr lang="en-US" dirty="0"/>
               <a:t>360</a:t>
             </a:r>
-            <a:endParaRPr lang="en-US" dirty="0"/>
           </a:p>
         </p:txBody>
       </p:sp>
@@ -10576,13 +10790,6 @@
   <p:clrMapOvr>
     <a:masterClrMapping/>
   </p:clrMapOvr>
-  <p:timing>
-    <p:tnLst>
-      <p:par>
-        <p:cTn id="1" dur="indefinite" restart="never" nodeType="tmRoot"/>
-      </p:par>
-    </p:tnLst>
-  </p:timing>
 </p:sld>
 </file>
 
@@ -10628,7 +10835,7 @@
           <a:lstStyle/>
           <a:p>
             <a:r>
-              <a:rPr lang="en-US" dirty="0" smtClean="0">
+              <a:rPr lang="en-US" dirty="0">
                 <a:solidFill>
                   <a:schemeClr val="bg1"/>
                 </a:solidFill>
@@ -10789,14 +10996,9 @@
               </a:rPr>
               <a:t>(10)</a:t>
             </a:r>
-            <a:endParaRPr lang="en-US" dirty="0" smtClean="0">
-              <a:solidFill>
-                <a:schemeClr val="bg1"/>
-              </a:solidFill>
-            </a:endParaRPr>
-          </a:p>
-          <a:p>
-            <a:endParaRPr lang="en-US" dirty="0" smtClean="0">
+          </a:p>
+          <a:p>
+            <a:endParaRPr lang="en-US" dirty="0">
               <a:solidFill>
                 <a:schemeClr val="bg1"/>
               </a:solidFill>
@@ -10827,18 +11029,17 @@
           <a:lstStyle/>
           <a:p>
             <a:r>
-              <a:rPr lang="en-US" dirty="0" smtClean="0"/>
+              <a:rPr lang="en-US" dirty="0"/>
               <a:t>Hands-on</a:t>
             </a:r>
             <a:r>
-              <a:rPr lang="en-US" baseline="0" dirty="0" smtClean="0"/>
+              <a:rPr lang="en-US" baseline="0" dirty="0"/>
               <a:t> </a:t>
             </a:r>
             <a:r>
-              <a:rPr lang="en-US" dirty="0" smtClean="0"/>
+              <a:rPr lang="en-US" dirty="0"/>
               <a:t>1 – Pi Program</a:t>
             </a:r>
-            <a:endParaRPr lang="en-US" dirty="0"/>
           </a:p>
         </p:txBody>
       </p:sp>
@@ -10852,13 +11053,6 @@
   <p:clrMapOvr>
     <a:masterClrMapping/>
   </p:clrMapOvr>
-  <p:timing>
-    <p:tnLst>
-      <p:par>
-        <p:cTn id="1" dur="indefinite" restart="never" nodeType="tmRoot"/>
-      </p:par>
-    </p:tnLst>
-  </p:timing>
 </p:sld>
 </file>
 
@@ -10895,11 +11089,11 @@
           <a:lstStyle/>
           <a:p>
             <a:r>
-              <a:rPr lang="en-US" dirty="0" smtClean="0"/>
+              <a:rPr lang="en-US" dirty="0"/>
               <a:t>Next</a:t>
             </a:r>
             <a:r>
-              <a:rPr lang="en-US" baseline="0" dirty="0" smtClean="0"/>
+              <a:rPr lang="en-US" baseline="0" dirty="0"/>
               <a:t> Meeting</a:t>
             </a:r>
             <a:endParaRPr lang="en-US" dirty="0"/>
@@ -10922,7 +11116,7 @@
           <a:lstStyle/>
           <a:p>
             <a:r>
-              <a:rPr lang="en-US" dirty="0" smtClean="0"/>
+              <a:rPr lang="en-US" dirty="0"/>
               <a:t>Turning the robot</a:t>
             </a:r>
           </a:p>
@@ -10938,13 +11132,6 @@
   <p:clrMapOvr>
     <a:masterClrMapping/>
   </p:clrMapOvr>
-  <p:timing>
-    <p:tnLst>
-      <p:par>
-        <p:cTn id="1" dur="indefinite" restart="never" nodeType="tmRoot"/>
-      </p:par>
-    </p:tnLst>
-  </p:timing>
 </p:sld>
 </file>
 
